--- a/Apresentacao/Apresentacao-jessica.pptx
+++ b/Apresentacao/Apresentacao-jessica.pptx
@@ -41,28 +41,28 @@
   <p:notesSz cx="6858000" cy="9144000"/>
   <p:embeddedFontLst>
     <p:embeddedFont>
-      <p:font typeface="Playfair Display"/>
+      <p:font typeface="Montserrat" panose="020B0604020202020204" charset="0"/>
       <p:regular r:id="rId31"/>
       <p:bold r:id="rId32"/>
-      <p:italic r:id="rId33"/>
-      <p:boldItalic r:id="rId34"/>
     </p:embeddedFont>
     <p:embeddedFont>
       <p:font typeface="Trebuchet MS" panose="020B0603020202020204" pitchFamily="34" charset="0"/>
-      <p:regular r:id="rId35"/>
-      <p:bold r:id="rId36"/>
-      <p:italic r:id="rId37"/>
-      <p:boldItalic r:id="rId38"/>
+      <p:regular r:id="rId33"/>
+      <p:bold r:id="rId34"/>
+      <p:italic r:id="rId35"/>
+      <p:boldItalic r:id="rId36"/>
     </p:embeddedFont>
     <p:embeddedFont>
       <p:font typeface="Oswald" panose="020B0604020202020204" charset="0"/>
+      <p:regular r:id="rId37"/>
+      <p:bold r:id="rId38"/>
+    </p:embeddedFont>
+    <p:embeddedFont>
+      <p:font typeface="Playfair Display"/>
       <p:regular r:id="rId39"/>
       <p:bold r:id="rId40"/>
-    </p:embeddedFont>
-    <p:embeddedFont>
-      <p:font typeface="Montserrat" panose="020B0604020202020204" charset="0"/>
-      <p:regular r:id="rId41"/>
-      <p:bold r:id="rId42"/>
+      <p:italic r:id="rId41"/>
+      <p:boldItalic r:id="rId42"/>
     </p:embeddedFont>
   </p:embeddedFontLst>
   <p:defaultTextStyle>
@@ -1945,11 +1945,7 @@
             </a:pPr>
             <a:r>
               <a:rPr lang="pt-PT" dirty="0" smtClean="0"/>
-              <a:t>Multiplicidade </a:t>
-            </a:r>
-            <a:r>
-              <a:rPr lang="pt-PT" dirty="0" smtClean="0"/>
-              <a:t>- </a:t>
+              <a:t>Multiplicidade - </a:t>
             </a:r>
             <a:r>
               <a:rPr lang="pt-PT" baseline="0" dirty="0" smtClean="0"/>
@@ -3677,21 +3673,8 @@
             </a:pPr>
             <a:r>
               <a:rPr lang="pt-PT" baseline="0" dirty="0" smtClean="0"/>
-              <a:t>Métodos </a:t>
-            </a:r>
-            <a:r>
-              <a:rPr lang="pt-PT" baseline="0" dirty="0" smtClean="0"/>
-              <a:t>usados para </a:t>
-            </a:r>
-            <a:r>
-              <a:rPr lang="pt-PT" baseline="0" dirty="0" smtClean="0"/>
-              <a:t>levantamento </a:t>
-            </a:r>
-            <a:r>
-              <a:rPr lang="pt-PT" baseline="0" dirty="0" smtClean="0"/>
-              <a:t>requisitos </a:t>
-            </a:r>
-            <a:endParaRPr lang="pt-PT" baseline="0" dirty="0" smtClean="0"/>
+              <a:t>Métodos usados para levantamento requisitos </a:t>
+            </a:r>
           </a:p>
           <a:p>
             <a:pPr marL="628650" lvl="1" indent="-171450" rtl="0">
@@ -3703,15 +3686,7 @@
             </a:pPr>
             <a:r>
               <a:rPr lang="pt-PT" baseline="0" dirty="0" smtClean="0"/>
-              <a:t>(</a:t>
-            </a:r>
-            <a:r>
-              <a:rPr lang="pt-PT" baseline="0" dirty="0" smtClean="0"/>
-              <a:t>entrevistas, </a:t>
-            </a:r>
-            <a:r>
-              <a:rPr lang="pt-PT" baseline="0" dirty="0" smtClean="0"/>
-              <a:t>internet, observar comportamento</a:t>
+              <a:t>(entrevistas, internet, observar comportamento</a:t>
             </a:r>
           </a:p>
           <a:p>
@@ -23994,34 +23969,6 @@
           </a:p>
         </p:txBody>
       </p:sp>
-      <p:pic>
-        <p:nvPicPr>
-          <p:cNvPr id="157" name="Shape 157"/>
-          <p:cNvPicPr preferRelativeResize="0"/>
-          <p:nvPr/>
-        </p:nvPicPr>
-        <p:blipFill>
-          <a:blip r:embed="rId3">
-            <a:alphaModFix/>
-          </a:blip>
-          <a:stretch>
-            <a:fillRect/>
-          </a:stretch>
-        </p:blipFill>
-        <p:spPr>
-          <a:xfrm>
-            <a:off x="1198500" y="411850"/>
-            <a:ext cx="6746999" cy="4319775"/>
-          </a:xfrm>
-          <a:prstGeom prst="rect">
-            <a:avLst/>
-          </a:prstGeom>
-          <a:noFill/>
-          <a:ln>
-            <a:noFill/>
-          </a:ln>
-        </p:spPr>
-      </p:pic>
       <p:sp>
         <p:nvSpPr>
           <p:cNvPr id="158" name="Shape 158"/>
@@ -24061,6 +24008,36 @@
           </a:p>
         </p:txBody>
       </p:sp>
+      <p:pic>
+        <p:nvPicPr>
+          <p:cNvPr id="2" name="Imagem 1"/>
+          <p:cNvPicPr>
+            <a:picLocks noChangeAspect="1"/>
+          </p:cNvPicPr>
+          <p:nvPr/>
+        </p:nvPicPr>
+        <p:blipFill>
+          <a:blip r:embed="rId3">
+            <a:extLst>
+              <a:ext uri="{28A0092B-C50C-407E-A947-70E740481C1C}">
+                <a14:useLocalDpi xmlns:a14="http://schemas.microsoft.com/office/drawing/2010/main" val="0"/>
+              </a:ext>
+            </a:extLst>
+          </a:blip>
+          <a:stretch>
+            <a:fillRect/>
+          </a:stretch>
+        </p:blipFill>
+        <p:spPr>
+          <a:xfrm>
+            <a:off x="1865411" y="457550"/>
+            <a:ext cx="5413175" cy="4355251"/>
+          </a:xfrm>
+          <a:prstGeom prst="rect">
+            <a:avLst/>
+          </a:prstGeom>
+        </p:spPr>
+      </p:pic>
     </p:spTree>
   </p:cSld>
   <p:clrMapOvr>
